--- a/Mythical-EH-ASA-EH-AF.pptx
+++ b/Mythical-EH-ASA-EH-AF.pptx
@@ -105,6 +105,11 @@
       </a:defRPr>
     </a:lvl9pPr>
   </p:defaultTextStyle>
+  <p:extLst>
+    <p:ext uri="{EFAFB233-063F-42B5-8137-9DF3F51BA10A}">
+      <p15:sldGuideLst xmlns:p15="http://schemas.microsoft.com/office/powerpoint/2012/main"/>
+    </p:ext>
+  </p:extLst>
 </p:presentation>
 </file>
 
@@ -264,7 +269,7 @@
           <a:p>
             <a:fld id="{02AC24A9-CCB6-4F8D-B8DB-C2F3692CFA5A}" type="datetimeFigureOut">
               <a:rPr lang="en-US" smtClean="0"/>
-              <a:t>6/14/20</a:t>
+              <a:t>7/17/20</a:t>
             </a:fld>
             <a:endParaRPr lang="en-US" dirty="0"/>
           </a:p>
@@ -634,7 +639,7 @@
           <a:p>
             <a:fld id="{02AC24A9-CCB6-4F8D-B8DB-C2F3692CFA5A}" type="datetimeFigureOut">
               <a:rPr lang="en-US" smtClean="0"/>
-              <a:t>6/14/20</a:t>
+              <a:t>7/17/20</a:t>
             </a:fld>
             <a:endParaRPr lang="en-US"/>
           </a:p>
@@ -843,7 +848,7 @@
           <a:p>
             <a:fld id="{02AC24A9-CCB6-4F8D-B8DB-C2F3692CFA5A}" type="datetimeFigureOut">
               <a:rPr lang="en-US" smtClean="0"/>
-              <a:t>6/14/20</a:t>
+              <a:t>7/17/20</a:t>
             </a:fld>
             <a:endParaRPr lang="en-US"/>
           </a:p>
@@ -1313,7 +1318,7 @@
           <a:p>
             <a:fld id="{02AC24A9-CCB6-4F8D-B8DB-C2F3692CFA5A}" type="datetimeFigureOut">
               <a:rPr lang="en-US" smtClean="0"/>
-              <a:t>6/14/20</a:t>
+              <a:t>7/17/20</a:t>
             </a:fld>
             <a:endParaRPr lang="en-US"/>
           </a:p>
@@ -1767,7 +1772,7 @@
           <a:p>
             <a:fld id="{02AC24A9-CCB6-4F8D-B8DB-C2F3692CFA5A}" type="datetimeFigureOut">
               <a:rPr lang="en-US" smtClean="0"/>
-              <a:t>6/14/20</a:t>
+              <a:t>7/17/20</a:t>
             </a:fld>
             <a:endParaRPr lang="en-US"/>
           </a:p>
@@ -2299,7 +2304,7 @@
           <a:p>
             <a:fld id="{02AC24A9-CCB6-4F8D-B8DB-C2F3692CFA5A}" type="datetimeFigureOut">
               <a:rPr lang="en-US" smtClean="0"/>
-              <a:t>6/14/20</a:t>
+              <a:t>7/17/20</a:t>
             </a:fld>
             <a:endParaRPr lang="en-US"/>
           </a:p>
@@ -2998,7 +3003,7 @@
           <a:p>
             <a:fld id="{02AC24A9-CCB6-4F8D-B8DB-C2F3692CFA5A}" type="datetimeFigureOut">
               <a:rPr lang="en-US" smtClean="0"/>
-              <a:t>6/14/20</a:t>
+              <a:t>7/17/20</a:t>
             </a:fld>
             <a:endParaRPr lang="en-US"/>
           </a:p>
@@ -3327,7 +3332,7 @@
           <a:p>
             <a:fld id="{02AC24A9-CCB6-4F8D-B8DB-C2F3692CFA5A}" type="datetimeFigureOut">
               <a:rPr lang="en-US" smtClean="0"/>
-              <a:t>6/14/20</a:t>
+              <a:t>7/17/20</a:t>
             </a:fld>
             <a:endParaRPr lang="en-US"/>
           </a:p>
@@ -3440,7 +3445,7 @@
           <a:p>
             <a:fld id="{02AC24A9-CCB6-4F8D-B8DB-C2F3692CFA5A}" type="datetimeFigureOut">
               <a:rPr lang="en-US" smtClean="0"/>
-              <a:t>6/14/20</a:t>
+              <a:t>7/17/20</a:t>
             </a:fld>
             <a:endParaRPr lang="en-US"/>
           </a:p>
@@ -3935,7 +3940,7 @@
           <a:p>
             <a:fld id="{02AC24A9-CCB6-4F8D-B8DB-C2F3692CFA5A}" type="datetimeFigureOut">
               <a:rPr lang="en-US" smtClean="0"/>
-              <a:t>6/14/20</a:t>
+              <a:t>7/17/20</a:t>
             </a:fld>
             <a:endParaRPr lang="en-US" dirty="0"/>
           </a:p>
@@ -4412,7 +4417,7 @@
           <a:p>
             <a:fld id="{02AC24A9-CCB6-4F8D-B8DB-C2F3692CFA5A}" type="datetimeFigureOut">
               <a:rPr lang="en-US" smtClean="0"/>
-              <a:t>6/14/20</a:t>
+              <a:t>7/17/20</a:t>
             </a:fld>
             <a:endParaRPr lang="en-US"/>
           </a:p>
@@ -4655,7 +4660,7 @@
           <a:p>
             <a:fld id="{02AC24A9-CCB6-4F8D-B8DB-C2F3692CFA5A}" type="datetimeFigureOut">
               <a:rPr lang="en-US" smtClean="0"/>
-              <a:t>6/14/20</a:t>
+              <a:t>7/17/20</a:t>
             </a:fld>
             <a:endParaRPr lang="en-US"/>
           </a:p>
@@ -5591,7 +5596,7 @@
         </p:blipFill>
         <p:spPr>
           <a:xfrm>
-            <a:off x="3908638" y="645326"/>
+            <a:off x="3908638" y="547286"/>
             <a:ext cx="982683" cy="982683"/>
           </a:xfrm>
           <a:prstGeom prst="rect">
@@ -5627,7 +5632,7 @@
         </p:blipFill>
         <p:spPr>
           <a:xfrm>
-            <a:off x="1901335" y="752990"/>
+            <a:off x="1891711" y="78007"/>
             <a:ext cx="767355" cy="767355"/>
           </a:xfrm>
           <a:prstGeom prst="rect">
@@ -5657,7 +5662,7 @@
         </p:blipFill>
         <p:spPr>
           <a:xfrm>
-            <a:off x="8157820" y="767646"/>
+            <a:off x="8157820" y="669606"/>
             <a:ext cx="797563" cy="738043"/>
           </a:xfrm>
           <a:prstGeom prst="rect">
@@ -5693,7 +5698,7 @@
         </p:blipFill>
         <p:spPr>
           <a:xfrm>
-            <a:off x="6131269" y="743366"/>
+            <a:off x="6131269" y="645326"/>
             <a:ext cx="786603" cy="786603"/>
           </a:xfrm>
           <a:prstGeom prst="rect">
@@ -5718,8 +5723,8 @@
         </p:nvCxnSpPr>
         <p:spPr>
           <a:xfrm>
-            <a:off x="2668690" y="1136668"/>
-            <a:ext cx="1239948" cy="0"/>
+            <a:off x="2659066" y="461685"/>
+            <a:ext cx="1249572" cy="576943"/>
           </a:xfrm>
           <a:prstGeom prst="straightConnector1">
             <a:avLst/>
@@ -5761,7 +5766,7 @@
         </p:nvCxnSpPr>
         <p:spPr>
           <a:xfrm>
-            <a:off x="4891321" y="1136668"/>
+            <a:off x="4891321" y="1038628"/>
             <a:ext cx="1239948" cy="0"/>
           </a:xfrm>
           <a:prstGeom prst="straightConnector1">
@@ -5804,7 +5809,7 @@
         </p:nvCxnSpPr>
         <p:spPr>
           <a:xfrm>
-            <a:off x="6917872" y="1136668"/>
+            <a:off x="6917872" y="1038628"/>
             <a:ext cx="1239948" cy="0"/>
           </a:xfrm>
           <a:prstGeom prst="straightConnector1">
@@ -5847,7 +5852,7 @@
         </p:nvCxnSpPr>
         <p:spPr>
           <a:xfrm>
-            <a:off x="8955383" y="1136668"/>
+            <a:off x="8955383" y="1038628"/>
             <a:ext cx="1186788" cy="8378"/>
           </a:xfrm>
           <a:prstGeom prst="straightConnector1">
@@ -5900,7 +5905,7 @@
         </p:blipFill>
         <p:spPr>
           <a:xfrm>
-            <a:off x="10142171" y="751744"/>
+            <a:off x="10142171" y="653704"/>
             <a:ext cx="786603" cy="786603"/>
           </a:xfrm>
           <a:prstGeom prst="rect">
@@ -5908,74 +5913,62 @@
           </a:prstGeom>
         </p:spPr>
       </p:pic>
-      <p:sp>
-        <p:nvSpPr>
-          <p:cNvPr id="35" name="Rectangle 34">
-            <a:extLst>
-              <a:ext uri="{FF2B5EF4-FFF2-40B4-BE49-F238E27FC236}">
-                <a16:creationId xmlns:a16="http://schemas.microsoft.com/office/drawing/2014/main" id="{9F5F19F8-37DC-1144-8B86-B5779D21BFAF}"/>
-              </a:ext>
-            </a:extLst>
-          </p:cNvPr>
-          <p:cNvSpPr/>
+      <p:pic>
+        <p:nvPicPr>
+          <p:cNvPr id="5" name="Graphic 4">
+            <a:extLst>
+              <a:ext uri="{FF2B5EF4-FFF2-40B4-BE49-F238E27FC236}">
+                <a16:creationId xmlns:a16="http://schemas.microsoft.com/office/drawing/2014/main" id="{BCE1C1FD-902E-064A-BA8E-DFCA71A5455B}"/>
+              </a:ext>
+            </a:extLst>
+          </p:cNvPr>
+          <p:cNvPicPr>
+            <a:picLocks noChangeAspect="1"/>
+          </p:cNvPicPr>
           <p:nvPr/>
-        </p:nvSpPr>
-        <p:spPr>
-          <a:xfrm>
-            <a:off x="1684465" y="2993571"/>
-            <a:ext cx="1201094" cy="870857"/>
+        </p:nvPicPr>
+        <p:blipFill>
+          <a:blip r:embed="rId4">
+            <a:extLst>
+              <a:ext uri="{96DAC541-7B7A-43D3-8B79-37D633B846F1}">
+                <asvg:svgBlip xmlns:asvg="http://schemas.microsoft.com/office/drawing/2016/SVG/main" r:embed="rId5"/>
+              </a:ext>
+            </a:extLst>
+          </a:blip>
+          <a:stretch>
+            <a:fillRect/>
+          </a:stretch>
+        </p:blipFill>
+        <p:spPr>
+          <a:xfrm>
+            <a:off x="1912811" y="1146291"/>
+            <a:ext cx="767355" cy="767355"/>
           </a:xfrm>
           <a:prstGeom prst="rect">
             <a:avLst/>
           </a:prstGeom>
         </p:spPr>
-        <p:style>
-          <a:lnRef idx="2">
-            <a:schemeClr val="accent1">
-              <a:shade val="50000"/>
-            </a:schemeClr>
-          </a:lnRef>
-          <a:fillRef idx="1">
-            <a:schemeClr val="accent1"/>
-          </a:fillRef>
-          <a:effectRef idx="0">
-            <a:schemeClr val="accent1"/>
-          </a:effectRef>
-          <a:fontRef idx="minor">
-            <a:schemeClr val="lt1"/>
-          </a:fontRef>
-        </p:style>
-        <p:txBody>
-          <a:bodyPr rtlCol="0" anchor="ctr"/>
-          <a:lstStyle/>
-          <a:p>
-            <a:pPr algn="ctr"/>
-            <a:r>
-              <a:rPr lang="en-US" sz="1200" dirty="0"/>
-              <a:t>NewMember Event Generator</a:t>
-            </a:r>
-          </a:p>
-        </p:txBody>
-      </p:sp>
+      </p:pic>
       <p:cxnSp>
         <p:nvCxnSpPr>
-          <p:cNvPr id="37" name="Straight Arrow Connector 36">
-            <a:extLst>
-              <a:ext uri="{FF2B5EF4-FFF2-40B4-BE49-F238E27FC236}">
-                <a16:creationId xmlns:a16="http://schemas.microsoft.com/office/drawing/2014/main" id="{ADDABD78-154B-6744-8E18-4F0330A8CE09}"/>
+          <p:cNvPr id="22" name="Straight Arrow Connector 21">
+            <a:extLst>
+              <a:ext uri="{FF2B5EF4-FFF2-40B4-BE49-F238E27FC236}">
+                <a16:creationId xmlns:a16="http://schemas.microsoft.com/office/drawing/2014/main" id="{184E10BE-2D29-4340-9FD1-DA6AA4F76C29}"/>
               </a:ext>
             </a:extLst>
           </p:cNvPr>
           <p:cNvCxnSpPr>
-            <a:stCxn id="35" idx="0"/>
-            <a:endCxn id="7" idx="2"/>
+            <a:cxnSpLocks/>
+            <a:stCxn id="5" idx="3"/>
+            <a:endCxn id="6" idx="1"/>
           </p:cNvCxnSpPr>
           <p:nvPr/>
         </p:nvCxnSpPr>
         <p:spPr>
           <a:xfrm flipV="1">
-            <a:off x="2285012" y="1520345"/>
-            <a:ext cx="1" cy="1473226"/>
+            <a:off x="2680166" y="1038628"/>
+            <a:ext cx="1228472" cy="491341"/>
           </a:xfrm>
           <a:prstGeom prst="straightConnector1">
             <a:avLst/>
@@ -6001,194 +5994,176 @@
       </p:cxnSp>
       <p:sp>
         <p:nvSpPr>
-          <p:cNvPr id="38" name="Rectangle 37">
-            <a:extLst>
-              <a:ext uri="{FF2B5EF4-FFF2-40B4-BE49-F238E27FC236}">
-                <a16:creationId xmlns:a16="http://schemas.microsoft.com/office/drawing/2014/main" id="{F20F6FBE-BDA8-7A4B-9157-541ADE1CB335}"/>
-              </a:ext>
-            </a:extLst>
-          </p:cNvPr>
-          <p:cNvSpPr/>
+          <p:cNvPr id="14" name="TextBox 13">
+            <a:extLst>
+              <a:ext uri="{FF2B5EF4-FFF2-40B4-BE49-F238E27FC236}">
+                <a16:creationId xmlns:a16="http://schemas.microsoft.com/office/drawing/2014/main" id="{B8B58956-C2B6-694D-BFC3-78311305A22D}"/>
+              </a:ext>
+            </a:extLst>
+          </p:cNvPr>
+          <p:cNvSpPr txBox="1"/>
           <p:nvPr/>
         </p:nvSpPr>
         <p:spPr>
           <a:xfrm>
-            <a:off x="5924023" y="2993570"/>
-            <a:ext cx="1201094" cy="870857"/>
+            <a:off x="2925955" y="300274"/>
+            <a:ext cx="814148" cy="369332"/>
           </a:xfrm>
           <a:prstGeom prst="rect">
             <a:avLst/>
           </a:prstGeom>
-        </p:spPr>
-        <p:style>
-          <a:lnRef idx="2">
-            <a:schemeClr val="accent1">
-              <a:shade val="50000"/>
-            </a:schemeClr>
-          </a:lnRef>
-          <a:fillRef idx="1">
-            <a:schemeClr val="accent1"/>
-          </a:fillRef>
-          <a:effectRef idx="0">
-            <a:schemeClr val="accent1"/>
-          </a:effectRef>
-          <a:fontRef idx="minor">
-            <a:schemeClr val="lt1"/>
-          </a:fontRef>
-        </p:style>
-        <p:txBody>
-          <a:bodyPr rtlCol="0" anchor="ctr"/>
-          <a:lstStyle/>
-          <a:p>
-            <a:pPr algn="ctr"/>
-            <a:r>
-              <a:rPr lang="en-US" sz="1200" dirty="0" err="1"/>
-              <a:t>NewMemberAgg</a:t>
-            </a:r>
-            <a:r>
-              <a:rPr lang="en-US" sz="1200" dirty="0"/>
-              <a:t> Event Reader</a:t>
-            </a:r>
-          </a:p>
-        </p:txBody>
-      </p:sp>
-      <p:sp>
-        <p:nvSpPr>
-          <p:cNvPr id="39" name="Rectangle 38">
-            <a:extLst>
-              <a:ext uri="{FF2B5EF4-FFF2-40B4-BE49-F238E27FC236}">
-                <a16:creationId xmlns:a16="http://schemas.microsoft.com/office/drawing/2014/main" id="{72AEAE01-C3F2-AA43-BA18-54D87F145A59}"/>
-              </a:ext>
-            </a:extLst>
-          </p:cNvPr>
-          <p:cNvSpPr/>
+          <a:noFill/>
+        </p:spPr>
+        <p:txBody>
+          <a:bodyPr wrap="square" rtlCol="0">
+            <a:spAutoFit/>
+          </a:bodyPr>
+          <a:lstStyle/>
+          <a:p>
+            <a:r>
+              <a:rPr lang="en-US" dirty="0"/>
+              <a:t>cycle</a:t>
+            </a:r>
+          </a:p>
+        </p:txBody>
+      </p:sp>
+      <p:sp>
+        <p:nvSpPr>
+          <p:cNvPr id="15" name="TextBox 14">
+            <a:extLst>
+              <a:ext uri="{FF2B5EF4-FFF2-40B4-BE49-F238E27FC236}">
+                <a16:creationId xmlns:a16="http://schemas.microsoft.com/office/drawing/2014/main" id="{3F69F7E2-B6DA-A947-B2D0-288469F3D5DF}"/>
+              </a:ext>
+            </a:extLst>
+          </p:cNvPr>
+          <p:cNvSpPr txBox="1"/>
           <p:nvPr/>
         </p:nvSpPr>
         <p:spPr>
           <a:xfrm>
-            <a:off x="9934925" y="2993570"/>
-            <a:ext cx="1201094" cy="870857"/>
+            <a:off x="2975801" y="1284298"/>
+            <a:ext cx="814148" cy="369332"/>
           </a:xfrm>
           <a:prstGeom prst="rect">
             <a:avLst/>
           </a:prstGeom>
-        </p:spPr>
-        <p:style>
-          <a:lnRef idx="2">
-            <a:schemeClr val="accent1">
-              <a:shade val="50000"/>
-            </a:schemeClr>
-          </a:lnRef>
-          <a:fillRef idx="1">
-            <a:schemeClr val="accent1"/>
-          </a:fillRef>
-          <a:effectRef idx="0">
-            <a:schemeClr val="accent1"/>
-          </a:effectRef>
-          <a:fontRef idx="minor">
-            <a:schemeClr val="lt1"/>
-          </a:fontRef>
-        </p:style>
-        <p:txBody>
-          <a:bodyPr rtlCol="0" anchor="ctr"/>
-          <a:lstStyle/>
-          <a:p>
-            <a:pPr algn="ctr"/>
-            <a:r>
-              <a:rPr lang="en-US" sz="1200" dirty="0" err="1"/>
-              <a:t>NewMemberAgg</a:t>
-            </a:r>
-            <a:r>
-              <a:rPr lang="en-US" sz="1200" dirty="0"/>
-              <a:t> Event Reader</a:t>
-            </a:r>
-          </a:p>
-        </p:txBody>
-      </p:sp>
-      <p:cxnSp>
-        <p:nvCxnSpPr>
-          <p:cNvPr id="40" name="Straight Arrow Connector 39">
-            <a:extLst>
-              <a:ext uri="{FF2B5EF4-FFF2-40B4-BE49-F238E27FC236}">
-                <a16:creationId xmlns:a16="http://schemas.microsoft.com/office/drawing/2014/main" id="{A4115C18-F18A-FE47-BA22-71DC276F3A0D}"/>
-              </a:ext>
-            </a:extLst>
-          </p:cNvPr>
-          <p:cNvCxnSpPr>
-            <a:cxnSpLocks/>
-            <a:stCxn id="9" idx="2"/>
-            <a:endCxn id="38" idx="0"/>
-          </p:cNvCxnSpPr>
+          <a:noFill/>
+        </p:spPr>
+        <p:txBody>
+          <a:bodyPr wrap="square" rtlCol="0">
+            <a:spAutoFit/>
+          </a:bodyPr>
+          <a:lstStyle/>
+          <a:p>
+            <a:r>
+              <a:rPr lang="en-US" dirty="0"/>
+              <a:t>etd</a:t>
+            </a:r>
+          </a:p>
+        </p:txBody>
+      </p:sp>
+      <p:sp>
+        <p:nvSpPr>
+          <p:cNvPr id="16" name="TextBox 15">
+            <a:extLst>
+              <a:ext uri="{FF2B5EF4-FFF2-40B4-BE49-F238E27FC236}">
+                <a16:creationId xmlns:a16="http://schemas.microsoft.com/office/drawing/2014/main" id="{AFF7244F-8BE3-1446-A87A-6CC37FC5B357}"/>
+              </a:ext>
+            </a:extLst>
+          </p:cNvPr>
+          <p:cNvSpPr txBox="1"/>
           <p:nvPr/>
-        </p:nvCxnSpPr>
-        <p:spPr>
-          <a:xfrm flipH="1">
-            <a:off x="6524570" y="1529969"/>
-            <a:ext cx="1" cy="1463601"/>
-          </a:xfrm>
-          <a:prstGeom prst="straightConnector1">
+        </p:nvSpPr>
+        <p:spPr>
+          <a:xfrm>
+            <a:off x="5092231" y="665800"/>
+            <a:ext cx="814148" cy="369332"/>
+          </a:xfrm>
+          <a:prstGeom prst="rect">
             <a:avLst/>
           </a:prstGeom>
-          <a:ln>
-            <a:tailEnd type="triangle"/>
-          </a:ln>
-        </p:spPr>
-        <p:style>
-          <a:lnRef idx="1">
-            <a:schemeClr val="accent1"/>
-          </a:lnRef>
-          <a:fillRef idx="0">
-            <a:schemeClr val="accent1"/>
-          </a:fillRef>
-          <a:effectRef idx="0">
-            <a:schemeClr val="accent1"/>
-          </a:effectRef>
-          <a:fontRef idx="minor">
-            <a:schemeClr val="tx1"/>
-          </a:fontRef>
-        </p:style>
-      </p:cxnSp>
-      <p:cxnSp>
-        <p:nvCxnSpPr>
-          <p:cNvPr id="43" name="Straight Arrow Connector 42">
-            <a:extLst>
-              <a:ext uri="{FF2B5EF4-FFF2-40B4-BE49-F238E27FC236}">
-                <a16:creationId xmlns:a16="http://schemas.microsoft.com/office/drawing/2014/main" id="{99C37311-61E8-E347-B1F2-28618A6FFCBF}"/>
-              </a:ext>
-            </a:extLst>
-          </p:cNvPr>
-          <p:cNvCxnSpPr>
-            <a:cxnSpLocks/>
-          </p:cNvCxnSpPr>
+          <a:noFill/>
+        </p:spPr>
+        <p:txBody>
+          <a:bodyPr wrap="square" rtlCol="0">
+            <a:spAutoFit/>
+          </a:bodyPr>
+          <a:lstStyle/>
+          <a:p>
+            <a:r>
+              <a:rPr lang="en-US" dirty="0"/>
+              <a:t>cycle</a:t>
+            </a:r>
+          </a:p>
+        </p:txBody>
+      </p:sp>
+      <p:sp>
+        <p:nvSpPr>
+          <p:cNvPr id="18" name="TextBox 17">
+            <a:extLst>
+              <a:ext uri="{FF2B5EF4-FFF2-40B4-BE49-F238E27FC236}">
+                <a16:creationId xmlns:a16="http://schemas.microsoft.com/office/drawing/2014/main" id="{29132927-CF19-494D-B017-37BAE1CDC07C}"/>
+              </a:ext>
+            </a:extLst>
+          </p:cNvPr>
+          <p:cNvSpPr txBox="1"/>
           <p:nvPr/>
-        </p:nvCxnSpPr>
-        <p:spPr>
-          <a:xfrm flipH="1">
-            <a:off x="10535472" y="1529969"/>
-            <a:ext cx="1" cy="1463601"/>
-          </a:xfrm>
-          <a:prstGeom prst="straightConnector1">
+        </p:nvSpPr>
+        <p:spPr>
+          <a:xfrm>
+            <a:off x="5181050" y="972786"/>
+            <a:ext cx="814148" cy="369332"/>
+          </a:xfrm>
+          <a:prstGeom prst="rect">
             <a:avLst/>
           </a:prstGeom>
-          <a:ln>
-            <a:tailEnd type="triangle"/>
-          </a:ln>
-        </p:spPr>
-        <p:style>
-          <a:lnRef idx="1">
-            <a:schemeClr val="accent1"/>
-          </a:lnRef>
-          <a:fillRef idx="0">
-            <a:schemeClr val="accent1"/>
-          </a:fillRef>
-          <a:effectRef idx="0">
-            <a:schemeClr val="accent1"/>
-          </a:effectRef>
-          <a:fontRef idx="minor">
-            <a:schemeClr val="tx1"/>
-          </a:fontRef>
-        </p:style>
-      </p:cxnSp>
+          <a:noFill/>
+        </p:spPr>
+        <p:txBody>
+          <a:bodyPr wrap="square" rtlCol="0">
+            <a:spAutoFit/>
+          </a:bodyPr>
+          <a:lstStyle/>
+          <a:p>
+            <a:r>
+              <a:rPr lang="en-US" dirty="0"/>
+              <a:t>etd</a:t>
+            </a:r>
+          </a:p>
+        </p:txBody>
+      </p:sp>
+      <p:sp>
+        <p:nvSpPr>
+          <p:cNvPr id="19" name="TextBox 18">
+            <a:extLst>
+              <a:ext uri="{FF2B5EF4-FFF2-40B4-BE49-F238E27FC236}">
+                <a16:creationId xmlns:a16="http://schemas.microsoft.com/office/drawing/2014/main" id="{4CE1C352-71AF-EE4A-953F-7CF46E27676D}"/>
+              </a:ext>
+            </a:extLst>
+          </p:cNvPr>
+          <p:cNvSpPr txBox="1"/>
+          <p:nvPr/>
+        </p:nvSpPr>
+        <p:spPr>
+          <a:xfrm>
+            <a:off x="5758543" y="1905000"/>
+            <a:ext cx="184731" cy="369332"/>
+          </a:xfrm>
+          <a:prstGeom prst="rect">
+            <a:avLst/>
+          </a:prstGeom>
+          <a:noFill/>
+        </p:spPr>
+        <p:txBody>
+          <a:bodyPr wrap="none" rtlCol="0">
+            <a:spAutoFit/>
+          </a:bodyPr>
+          <a:lstStyle/>
+          <a:p>
+            <a:endParaRPr lang="en-US" dirty="0"/>
+          </a:p>
+        </p:txBody>
+      </p:sp>
     </p:spTree>
     <p:extLst>
       <p:ext uri="{BB962C8B-B14F-4D97-AF65-F5344CB8AC3E}">
